--- a/DataScienceHealth2020_DS-how-do-you-do-it.pptx
+++ b/DataScienceHealth2020_DS-how-do-you-do-it.pptx
@@ -153,7 +153,7 @@
   <p1510:revLst>
     <p1510:client id="{19C07B5F-55D8-1E28-3EAB-6475C1ED905D}" v="441" dt="2020-10-13T23:28:10.456"/>
     <p1510:client id="{394CECC0-8735-F01F-40E9-4E9B49928AAB}" v="4167" dt="2020-10-22T22:47:38.292"/>
-    <p1510:client id="{D7853248-440A-410D-91F9-A2B121437B3B}" v="3" dt="2020-10-23T16:43:20.735"/>
+    <p1510:client id="{D7853248-440A-410D-91F9-A2B121437B3B}" v="44" dt="2020-10-23T17:07:23.574"/>
   </p1510:revLst>
 </p1510:revInfo>
 </file>
@@ -6223,7 +6223,7 @@
         </p:nvSpPr>
         <p:spPr>
           <a:xfrm>
-            <a:off x="917680" y="2136803"/>
+            <a:off x="917680" y="1715362"/>
             <a:ext cx="7540168" cy="1077218"/>
           </a:xfrm>
           <a:prstGeom prst="rect">
@@ -6273,8 +6273,8 @@
         </p:nvSpPr>
         <p:spPr>
           <a:xfrm>
-            <a:off x="1291677" y="3556112"/>
-            <a:ext cx="6790627" cy="3046988"/>
+            <a:off x="959632" y="2994190"/>
+            <a:ext cx="7595196" cy="4154984"/>
           </a:xfrm>
           <a:prstGeom prst="rect">
             <a:avLst/>
@@ -6302,7 +6302,7 @@
               <a:t>Submit a proposal to UBC's Amazon Cloud Innovation Centre: </a:t>
             </a:r>
             <a:r>
-              <a:rPr lang="en-US" sz="2400">
+              <a:rPr lang="en-US" sz="2400" dirty="0">
                 <a:ea typeface="+mn-lt"/>
                 <a:cs typeface="+mn-lt"/>
                 <a:hlinkClick r:id="rId2"/>
@@ -6340,6 +6340,42 @@
               </a:rPr>
               <a:t>https://ubc-mds.github.io/capstone/about/</a:t>
             </a:r>
+            <a:br>
+              <a:rPr lang="en-US" sz="2400" dirty="0">
+                <a:ea typeface="+mn-lt"/>
+                <a:cs typeface="+mn-lt"/>
+              </a:rPr>
+            </a:br>
+            <a:endParaRPr lang="en-US" sz="2400" dirty="0">
+              <a:ea typeface="+mn-lt"/>
+              <a:cs typeface="+mn-lt"/>
+            </a:endParaRPr>
+          </a:p>
+          <a:p>
+            <a:pPr marL="342900" indent="-342900">
+              <a:buAutoNum type="arabicPeriod"/>
+            </a:pPr>
+            <a:r>
+              <a:rPr lang="en-US" sz="2400">
+                <a:ea typeface="+mn-lt"/>
+                <a:cs typeface="+mn-lt"/>
+              </a:rPr>
+              <a:t>Get support from the Applied Statistics and Data Science Group (ASDa): </a:t>
+            </a:r>
+            <a:r>
+              <a:rPr lang="en-US" sz="2400" dirty="0">
+                <a:ea typeface="+mn-lt"/>
+                <a:cs typeface="+mn-lt"/>
+                <a:hlinkClick r:id="rId4"/>
+              </a:rPr>
+              <a:t>https://asda.stat.ubc.ca/</a:t>
+            </a:r>
+            <a:endParaRPr lang="en-US" sz="2400" dirty="0">
+              <a:ea typeface="+mn-lt"/>
+              <a:cs typeface="+mn-lt"/>
+            </a:endParaRPr>
+          </a:p>
+          <a:p>
             <a:endParaRPr lang="en-US" sz="2400" dirty="0">
               <a:ea typeface="+mn-lt"/>
               <a:cs typeface="+mn-lt"/>
